--- a/contributor-guide/media/documents/markdown-cheatsheet.pptx
+++ b/contributor-guide/media/documents/markdown-cheatsheet.pptx
@@ -8,7 +8,7 @@
     <p:notesMasterId r:id="rId3"/>
   </p:notesMasterIdLst>
   <p:sldIdLst>
-    <p:sldId id="259" r:id="rId2"/>
+    <p:sldId id="260" r:id="rId2"/>
   </p:sldIdLst>
   <p:sldSz cx="6858000" cy="9144000" type="letter"/>
   <p:notesSz cx="7010400" cy="9296400"/>
@@ -109,7 +109,7 @@
   </p:defaultTextStyle>
   <p:extLst>
     <p:ext uri="{EFAFB233-063F-42B5-8137-9DF3F51BA10A}">
-      <p15:sldGuideLst xmlns:p15="http://schemas.microsoft.com/office/powerpoint/2012/main">
+      <p15:sldGuideLst xmlns:p15="http://schemas.microsoft.com/office/powerpoint/2012/main" xmlns="">
         <p15:guide id="1" orient="horz" pos="2880">
           <p15:clr>
             <a:srgbClr val="A4A3A4"/>
@@ -208,7 +208,7 @@
           <a:p>
             <a:fld id="{4328ED7B-AE90-4060-B19F-E91E802FA809}" type="datetimeFigureOut">
               <a:rPr lang="en-US" smtClean="0"/>
-              <a:t>3/4/2015</a:t>
+              <a:t>3/20/2015</a:t>
             </a:fld>
             <a:endParaRPr lang="en-US"/>
           </a:p>
@@ -607,7 +607,7 @@
           <a:p>
             <a:fld id="{D92D5314-CC1E-4647-9C92-413C1CDEB3C2}" type="datetime1">
               <a:rPr lang="en-US" smtClean="0"/>
-              <a:t>3/4/2015</a:t>
+              <a:t>3/20/2015</a:t>
             </a:fld>
             <a:endParaRPr lang="en-US"/>
           </a:p>
@@ -777,7 +777,7 @@
           <a:p>
             <a:fld id="{FE11813D-C63E-40B6-87A0-578652064C21}" type="datetime1">
               <a:rPr lang="en-US" smtClean="0"/>
-              <a:t>3/4/2015</a:t>
+              <a:t>3/20/2015</a:t>
             </a:fld>
             <a:endParaRPr lang="en-US"/>
           </a:p>
@@ -957,7 +957,7 @@
           <a:p>
             <a:fld id="{DF19D3AA-D66C-4622-AA84-95EA995D558D}" type="datetime1">
               <a:rPr lang="en-US" smtClean="0"/>
-              <a:t>3/4/2015</a:t>
+              <a:t>3/20/2015</a:t>
             </a:fld>
             <a:endParaRPr lang="en-US"/>
           </a:p>
@@ -1127,7 +1127,7 @@
           <a:p>
             <a:fld id="{548FA9E3-BE15-477A-99C3-453D290E3538}" type="datetime1">
               <a:rPr lang="en-US" smtClean="0"/>
-              <a:t>3/4/2015</a:t>
+              <a:t>3/20/2015</a:t>
             </a:fld>
             <a:endParaRPr lang="en-US"/>
           </a:p>
@@ -1371,7 +1371,7 @@
           <a:p>
             <a:fld id="{6A063A40-F1D0-4314-A77D-C844A9F36D8E}" type="datetime1">
               <a:rPr lang="en-US" smtClean="0"/>
-              <a:t>3/4/2015</a:t>
+              <a:t>3/20/2015</a:t>
             </a:fld>
             <a:endParaRPr lang="en-US"/>
           </a:p>
@@ -1603,7 +1603,7 @@
           <a:p>
             <a:fld id="{C56091D0-D8D7-4884-A17D-342E56CB47A5}" type="datetime1">
               <a:rPr lang="en-US" smtClean="0"/>
-              <a:t>3/4/2015</a:t>
+              <a:t>3/20/2015</a:t>
             </a:fld>
             <a:endParaRPr lang="en-US"/>
           </a:p>
@@ -1970,7 +1970,7 @@
           <a:p>
             <a:fld id="{999DC71E-81AB-4ECC-A335-EF48E1C5551D}" type="datetime1">
               <a:rPr lang="en-US" smtClean="0"/>
-              <a:t>3/4/2015</a:t>
+              <a:t>3/20/2015</a:t>
             </a:fld>
             <a:endParaRPr lang="en-US"/>
           </a:p>
@@ -2088,7 +2088,7 @@
           <a:p>
             <a:fld id="{049D3E7E-963B-4B01-80A3-954EE2BCB48C}" type="datetime1">
               <a:rPr lang="en-US" smtClean="0"/>
-              <a:t>3/4/2015</a:t>
+              <a:t>3/20/2015</a:t>
             </a:fld>
             <a:endParaRPr lang="en-US"/>
           </a:p>
@@ -2183,7 +2183,7 @@
           <a:p>
             <a:fld id="{1DDAEA7E-31D6-4F36-A28D-02301D2F821C}" type="datetime1">
               <a:rPr lang="en-US" smtClean="0"/>
-              <a:t>3/4/2015</a:t>
+              <a:t>3/20/2015</a:t>
             </a:fld>
             <a:endParaRPr lang="en-US"/>
           </a:p>
@@ -2460,7 +2460,7 @@
           <a:p>
             <a:fld id="{ED09FF0C-C5EB-4F19-B0B5-7A62C0635FA4}" type="datetime1">
               <a:rPr lang="en-US" smtClean="0"/>
-              <a:t>3/4/2015</a:t>
+              <a:t>3/20/2015</a:t>
             </a:fld>
             <a:endParaRPr lang="en-US"/>
           </a:p>
@@ -2717,7 +2717,7 @@
           <a:p>
             <a:fld id="{E2BBB268-22EA-476F-8939-43239251D2FB}" type="datetime1">
               <a:rPr lang="en-US" smtClean="0"/>
-              <a:t>3/4/2015</a:t>
+              <a:t>3/20/2015</a:t>
             </a:fld>
             <a:endParaRPr lang="en-US"/>
           </a:p>
@@ -2930,7 +2930,7 @@
           <a:p>
             <a:fld id="{15BA416B-3F1A-41EF-9002-BA494B155F6A}" type="datetime1">
               <a:rPr lang="en-US" smtClean="0"/>
-              <a:t>3/4/2015</a:t>
+              <a:t>3/20/2015</a:t>
             </a:fld>
             <a:endParaRPr lang="en-US"/>
           </a:p>
@@ -3378,14 +3378,14 @@
           <p:nvPr>
             <p:extLst>
               <p:ext uri="{D42A27DB-BD31-4B8C-83A1-F6EECF244321}">
-                <p14:modId xmlns:p14="http://schemas.microsoft.com/office/powerpoint/2010/main" val="268408571"/>
+                <p14:modId xmlns:p14="http://schemas.microsoft.com/office/powerpoint/2010/main" val="3348647187"/>
               </p:ext>
             </p:extLst>
           </p:nvPr>
         </p:nvGraphicFramePr>
         <p:xfrm>
-          <a:off x="205739" y="849332"/>
-          <a:ext cx="6469381" cy="7997866"/>
+          <a:off x="205739" y="812756"/>
+          <a:ext cx="6469381" cy="8226466"/>
         </p:xfrm>
         <a:graphic>
           <a:graphicData uri="http://schemas.openxmlformats.org/drawingml/2006/table">
@@ -3394,9 +3394,9 @@
                 <a:tableStyleId>{5940675A-B579-460E-94D1-54222C63F5DA}</a:tableStyleId>
               </a:tblPr>
               <a:tblGrid>
-                <a:gridCol w="900192"/>
-                <a:gridCol w="1511539"/>
-                <a:gridCol w="1033004"/>
+                <a:gridCol w="821550"/>
+                <a:gridCol w="1693333"/>
+                <a:gridCol w="929852"/>
                 <a:gridCol w="3024646"/>
               </a:tblGrid>
               <a:tr h="259378">
@@ -3459,7 +3459,7 @@
                     <a:p>
                       <a:r>
                         <a:rPr lang="en-US" sz="1200" b="1" dirty="0" smtClean="0"/>
-                        <a:t>Paragraph</a:t>
+                        <a:t>Para</a:t>
                       </a:r>
                       <a:endParaRPr lang="en-US" sz="1200" b="1" dirty="0"/>
                     </a:p>
@@ -4588,7 +4588,7 @@
                     <a:p>
                       <a:r>
                         <a:rPr lang="en-US" sz="1200" b="1" dirty="0" smtClean="0"/>
-                        <a:t>Links</a:t>
+                        <a:t>Links to</a:t>
                       </a:r>
                       <a:endParaRPr lang="en-US" sz="1200" b="1" dirty="0"/>
                     </a:p>
@@ -4602,11 +4602,15 @@
                     <a:p>
                       <a:r>
                         <a:rPr lang="en-US" sz="1200" dirty="0" smtClean="0"/>
-                        <a:t>To another</a:t>
+                        <a:t>another</a:t>
                       </a:r>
                       <a:r>
                         <a:rPr lang="en-US" sz="1200" baseline="0" dirty="0" smtClean="0"/>
-                        <a:t> ACOM tech article</a:t>
+                        <a:t> </a:t>
+                      </a:r>
+                      <a:r>
+                        <a:rPr lang="en-US" sz="1200" baseline="0" dirty="0" smtClean="0"/>
+                        <a:t>ACOM tech article</a:t>
                       </a:r>
                       <a:endParaRPr lang="en-US" sz="1200" dirty="0"/>
                     </a:p>
@@ -4640,7 +4644,14 @@
                           <a:latin typeface="Consolas" panose="020B0609020204030204" pitchFamily="49" charset="0"/>
                           <a:cs typeface="Consolas" panose="020B0609020204030204" pitchFamily="49" charset="0"/>
                         </a:rPr>
-                        <a:t>[article title](../filename)</a:t>
+                        <a:t>[link text](article-name.md</a:t>
+                      </a:r>
+                      <a:r>
+                        <a:rPr lang="en-US" sz="1200" dirty="0" smtClean="0">
+                          <a:latin typeface="Consolas" panose="020B0609020204030204" pitchFamily="49" charset="0"/>
+                          <a:cs typeface="Consolas" panose="020B0609020204030204" pitchFamily="49" charset="0"/>
+                        </a:rPr>
+                        <a:t>)</a:t>
                       </a:r>
                       <a:endParaRPr lang="en-US" sz="1200" dirty="0"/>
                     </a:p>
@@ -4692,78 +4703,14 @@
                     <a:lstStyle/>
                     <a:p>
                       <a:r>
-                        <a:rPr lang="en-US" sz="1200" dirty="0" smtClean="0"/>
-                        <a:t>To a</a:t>
-                      </a:r>
-                      <a:r>
-                        <a:rPr lang="en-US" sz="1200" baseline="0" dirty="0" smtClean="0"/>
-                        <a:t> page on ACOM – the dots represent “folders up” </a:t>
-                      </a:r>
-                      <a:endParaRPr lang="en-US" sz="1200" dirty="0"/>
-                    </a:p>
-                  </a:txBody>
-                  <a:tcPr/>
-                </a:tc>
-                <a:tc gridSpan="2">
-                  <a:txBody>
-                    <a:bodyPr/>
-                    <a:lstStyle/>
-                    <a:p>
-                      <a:r>
-                        <a:rPr lang="en-US" sz="1200" kern="1200" dirty="0" smtClean="0">
-                          <a:solidFill>
-                            <a:schemeClr val="tx1"/>
-                          </a:solidFill>
-                          <a:latin typeface="Consolas" panose="020B0609020204030204" pitchFamily="49" charset="0"/>
-                          <a:ea typeface="+mn-ea"/>
-                          <a:cs typeface="Consolas" panose="020B0609020204030204" pitchFamily="49" charset="0"/>
-                        </a:rPr>
-                        <a:t>[link text](../../services/virtual-machines/)</a:t>
-                      </a:r>
-                      <a:endParaRPr lang="en-US" sz="1200" kern="1200" dirty="0">
-                        <a:solidFill>
-                          <a:schemeClr val="tx1"/>
-                        </a:solidFill>
-                        <a:latin typeface="Consolas" panose="020B0609020204030204" pitchFamily="49" charset="0"/>
-                        <a:ea typeface="+mn-ea"/>
-                        <a:cs typeface="Consolas" panose="020B0609020204030204" pitchFamily="49" charset="0"/>
-                      </a:endParaRPr>
-                    </a:p>
-                  </a:txBody>
-                  <a:tcPr/>
-                </a:tc>
-                <a:tc hMerge="1">
-                  <a:txBody>
-                    <a:bodyPr/>
-                    <a:lstStyle/>
-                    <a:p>
+                        <a:rPr lang="en-US" dirty="0" smtClean="0"/>
+                        <a:t>a </a:t>
+                      </a:r>
+                      <a:r>
+                        <a:rPr lang="en-US" dirty="0" smtClean="0"/>
+                        <a:t>section in the same article</a:t>
+                      </a:r>
                       <a:endParaRPr lang="en-US" dirty="0"/>
-                    </a:p>
-                  </a:txBody>
-                  <a:tcPr/>
-                </a:tc>
-              </a:tr>
-              <a:tr h="158839">
-                <a:tc vMerge="1">
-                  <a:txBody>
-                    <a:bodyPr/>
-                    <a:lstStyle/>
-                    <a:p>
-                      <a:endParaRPr lang="en-US"/>
-                    </a:p>
-                  </a:txBody>
-                  <a:tcPr/>
-                </a:tc>
-                <a:tc>
-                  <a:txBody>
-                    <a:bodyPr/>
-                    <a:lstStyle/>
-                    <a:p>
-                      <a:r>
-                        <a:rPr lang="en-US" sz="1200" dirty="0" smtClean="0"/>
-                        <a:t>To a section of an article</a:t>
-                      </a:r>
-                      <a:endParaRPr lang="en-US" sz="1200" dirty="0"/>
                     </a:p>
                   </a:txBody>
                   <a:tcPr/>
@@ -4799,7 +4746,120 @@
                           <a:ea typeface="+mn-ea"/>
                           <a:cs typeface="Consolas" panose="020B0609020204030204" pitchFamily="49" charset="0"/>
                         </a:rPr>
-                        <a:t>[section heading](../file_name/#anchor)</a:t>
+                        <a:t>[link text](#</a:t>
+                      </a:r>
+                      <a:r>
+                        <a:rPr lang="en-US" sz="1200" kern="1200" dirty="0" smtClean="0">
+                          <a:solidFill>
+                            <a:schemeClr val="tx1"/>
+                          </a:solidFill>
+                          <a:latin typeface="Consolas" panose="020B0609020204030204" pitchFamily="49" charset="0"/>
+                          <a:ea typeface="+mn-ea"/>
+                          <a:cs typeface="Consolas" panose="020B0609020204030204" pitchFamily="49" charset="0"/>
+                        </a:rPr>
+                        <a:t>anchor)</a:t>
+                      </a:r>
+                    </a:p>
+                    <a:p>
+                      <a:endParaRPr lang="en-US" dirty="0"/>
+                    </a:p>
+                  </a:txBody>
+                  <a:tcPr/>
+                </a:tc>
+                <a:tc hMerge="1">
+                  <a:txBody>
+                    <a:bodyPr/>
+                    <a:lstStyle/>
+                    <a:p>
+                      <a:endParaRPr lang="en-US" dirty="0"/>
+                    </a:p>
+                  </a:txBody>
+                  <a:tcPr/>
+                </a:tc>
+              </a:tr>
+              <a:tr h="158839">
+                <a:tc vMerge="1">
+                  <a:txBody>
+                    <a:bodyPr/>
+                    <a:lstStyle/>
+                    <a:p>
+                      <a:endParaRPr lang="en-US"/>
+                    </a:p>
+                  </a:txBody>
+                  <a:tcPr/>
+                </a:tc>
+                <a:tc>
+                  <a:txBody>
+                    <a:bodyPr/>
+                    <a:lstStyle/>
+                    <a:p>
+                      <a:r>
+                        <a:rPr lang="en-US" sz="1200" dirty="0" smtClean="0"/>
+                        <a:t>a </a:t>
+                      </a:r>
+                      <a:r>
+                        <a:rPr lang="en-US" sz="1200" dirty="0" smtClean="0"/>
+                        <a:t>section of another article</a:t>
+                      </a:r>
+                      <a:endParaRPr lang="en-US" sz="1200" dirty="0"/>
+                    </a:p>
+                  </a:txBody>
+                  <a:tcPr/>
+                </a:tc>
+                <a:tc gridSpan="2">
+                  <a:txBody>
+                    <a:bodyPr/>
+                    <a:lstStyle/>
+                    <a:p>
+                      <a:pPr marL="0" marR="0" indent="0" algn="l" defTabSz="685800" rtl="0" eaLnBrk="1" fontAlgn="auto" latinLnBrk="0" hangingPunct="1">
+                        <a:lnSpc>
+                          <a:spcPct val="100000"/>
+                        </a:lnSpc>
+                        <a:spcBef>
+                          <a:spcPts val="0"/>
+                        </a:spcBef>
+                        <a:spcAft>
+                          <a:spcPts val="0"/>
+                        </a:spcAft>
+                        <a:buClrTx/>
+                        <a:buSzTx/>
+                        <a:buFontTx/>
+                        <a:buNone/>
+                        <a:tabLst/>
+                        <a:defRPr/>
+                      </a:pPr>
+                      <a:r>
+                        <a:rPr lang="en-US" sz="1200" kern="1200" dirty="0" smtClean="0">
+                          <a:solidFill>
+                            <a:schemeClr val="tx1"/>
+                          </a:solidFill>
+                          <a:latin typeface="Consolas" panose="020B0609020204030204" pitchFamily="49" charset="0"/>
+                          <a:ea typeface="+mn-ea"/>
+                          <a:cs typeface="Consolas" panose="020B0609020204030204" pitchFamily="49" charset="0"/>
+                        </a:rPr>
+                        <a:t>[link text](</a:t>
+                      </a:r>
+                      <a:r>
+                        <a:rPr lang="en-US" sz="1200" kern="1200" dirty="0" err="1" smtClean="0">
+                          <a:solidFill>
+                            <a:schemeClr val="tx1"/>
+                          </a:solidFill>
+                          <a:latin typeface="Consolas" panose="020B0609020204030204" pitchFamily="49" charset="0"/>
+                          <a:ea typeface="+mn-ea"/>
+                          <a:cs typeface="Consolas" panose="020B0609020204030204" pitchFamily="49" charset="0"/>
+                        </a:rPr>
+                        <a:t>article-name.md#anchor</a:t>
+                      </a:r>
+                      <a:r>
+                        <a:rPr lang="en-US" sz="1200" kern="1200" dirty="0" smtClean="0">
+                          <a:solidFill>
+                            <a:schemeClr val="tx1"/>
+                          </a:solidFill>
+                          <a:latin typeface="Consolas" panose="020B0609020204030204" pitchFamily="49" charset="0"/>
+                          <a:ea typeface="+mn-ea"/>
+                          <a:cs typeface="Consolas" panose="020B0609020204030204" pitchFamily="49" charset="0"/>
+                        </a:rPr>
+                        <a:t>)</a:t>
                       </a:r>
                     </a:p>
                     <a:p>
@@ -4837,7 +4897,11 @@
                     <a:p>
                       <a:r>
                         <a:rPr lang="en-US" sz="1200" dirty="0" smtClean="0"/>
-                        <a:t>To an image in the article image folder</a:t>
+                        <a:t>an </a:t>
+                      </a:r>
+                      <a:r>
+                        <a:rPr lang="en-US" sz="1200" dirty="0" smtClean="0"/>
+                        <a:t>image in the article image folder</a:t>
                       </a:r>
                       <a:endParaRPr lang="en-US" sz="1200" dirty="0"/>
                     </a:p>
@@ -4930,7 +4994,19 @@
                     <a:p>
                       <a:r>
                         <a:rPr lang="en-US" sz="1200" dirty="0" smtClean="0"/>
-                        <a:t>To MSDN or the web</a:t>
+                        <a:t>MSDN,</a:t>
+                      </a:r>
+                      <a:r>
+                        <a:rPr lang="en-US" sz="1200" baseline="0" dirty="0" smtClean="0"/>
+                        <a:t> </a:t>
+                      </a:r>
+                      <a:r>
+                        <a:rPr lang="en-US" sz="1200" dirty="0" smtClean="0"/>
+                        <a:t>the web, </a:t>
+                      </a:r>
+                      <a:r>
+                        <a:rPr lang="en-US" sz="1200" dirty="0" smtClean="0"/>
+                        <a:t>or a page in another section of ACOM</a:t>
                       </a:r>
                       <a:endParaRPr lang="en-US" sz="1200" dirty="0"/>
                     </a:p>
@@ -4947,8 +5023,82 @@
                           <a:latin typeface="Consolas" panose="020B0609020204030204" pitchFamily="49" charset="0"/>
                           <a:cs typeface="Consolas" panose="020B0609020204030204" pitchFamily="49" charset="0"/>
                         </a:rPr>
-                        <a:t>[link text](http://www.github.com)</a:t>
-                      </a:r>
+                        <a:t>[link text](</a:t>
+                      </a:r>
+                      <a:r>
+                        <a:rPr lang="en-US" sz="1100" dirty="0" smtClean="0">
+                          <a:latin typeface="Consolas" panose="020B0609020204030204" pitchFamily="49" charset="0"/>
+                          <a:cs typeface="Consolas" panose="020B0609020204030204" pitchFamily="49" charset="0"/>
+                          <a:hlinkClick r:id="rId2"/>
+                        </a:rPr>
+                        <a:t>http://www.github.com</a:t>
+                      </a:r>
+                      <a:r>
+                        <a:rPr lang="en-US" sz="1100" dirty="0" smtClean="0">
+                          <a:latin typeface="Consolas" panose="020B0609020204030204" pitchFamily="49" charset="0"/>
+                          <a:cs typeface="Consolas" panose="020B0609020204030204" pitchFamily="49" charset="0"/>
+                        </a:rPr>
+                        <a:t>)</a:t>
+                      </a:r>
+                    </a:p>
+                    <a:p>
+                      <a:r>
+                        <a:rPr lang="en-US" sz="1100" kern="1200" dirty="0" smtClean="0">
+                          <a:solidFill>
+                            <a:schemeClr val="tx1"/>
+                          </a:solidFill>
+                          <a:latin typeface="Consolas" panose="020B0609020204030204" pitchFamily="49" charset="0"/>
+                          <a:ea typeface="+mn-ea"/>
+                          <a:cs typeface="Consolas" panose="020B0609020204030204" pitchFamily="49" charset="0"/>
+                        </a:rPr>
+                        <a:t>[link text](full </a:t>
+                      </a:r>
+                      <a:r>
+                        <a:rPr lang="en-US" sz="1100" kern="1200" dirty="0" err="1" smtClean="0">
+                          <a:solidFill>
+                            <a:schemeClr val="tx1"/>
+                          </a:solidFill>
+                          <a:latin typeface="Consolas" panose="020B0609020204030204" pitchFamily="49" charset="0"/>
+                          <a:ea typeface="+mn-ea"/>
+                          <a:cs typeface="Consolas" panose="020B0609020204030204" pitchFamily="49" charset="0"/>
+                        </a:rPr>
+                        <a:t>url</a:t>
+                      </a:r>
+                      <a:r>
+                        <a:rPr lang="en-US" sz="1100" kern="1200" dirty="0" smtClean="0">
+                          <a:solidFill>
+                            <a:schemeClr val="tx1"/>
+                          </a:solidFill>
+                          <a:latin typeface="Consolas" panose="020B0609020204030204" pitchFamily="49" charset="0"/>
+                          <a:ea typeface="+mn-ea"/>
+                          <a:cs typeface="Consolas" panose="020B0609020204030204" pitchFamily="49" charset="0"/>
+                        </a:rPr>
+                        <a:t> minus</a:t>
+                      </a:r>
+                      <a:r>
+                        <a:rPr lang="en-US" sz="1100" kern="1200" baseline="0" dirty="0" smtClean="0">
+                          <a:solidFill>
+                            <a:schemeClr val="tx1"/>
+                          </a:solidFill>
+                          <a:latin typeface="Consolas" panose="020B0609020204030204" pitchFamily="49" charset="0"/>
+                          <a:ea typeface="+mn-ea"/>
+                          <a:cs typeface="Consolas" panose="020B0609020204030204" pitchFamily="49" charset="0"/>
+                        </a:rPr>
+                        <a:t> the en-us locale</a:t>
+                      </a:r>
+                      <a:r>
+                        <a:rPr lang="en-US" sz="1100" kern="1200" dirty="0" smtClean="0">
+                          <a:solidFill>
+                            <a:schemeClr val="tx1"/>
+                          </a:solidFill>
+                          <a:latin typeface="Consolas" panose="020B0609020204030204" pitchFamily="49" charset="0"/>
+                          <a:ea typeface="+mn-ea"/>
+                          <a:cs typeface="Consolas" panose="020B0609020204030204" pitchFamily="49" charset="0"/>
+                        </a:rPr>
+                        <a:t>)</a:t>
+                      </a:r>
+                    </a:p>
+                    <a:p>
                       <a:endParaRPr lang="en-US" dirty="0">
                         <a:latin typeface="Consolas" panose="020B0609020204030204" pitchFamily="49" charset="0"/>
                         <a:cs typeface="Consolas" panose="020B0609020204030204" pitchFamily="49" charset="0"/>
@@ -4981,7 +5131,7 @@
           <p:nvPr/>
         </p:nvPicPr>
         <p:blipFill>
-          <a:blip r:embed="rId2" cstate="print">
+          <a:blip r:embed="rId3" cstate="print">
             <a:extLst>
               <a:ext uri="{28A0092B-C50C-407E-A947-70E740481C1C}">
                 <a14:useLocalDpi xmlns:a14="http://schemas.microsoft.com/office/drawing/2010/main" val="0"/>
@@ -5033,7 +5183,7 @@
     </p:spTree>
     <p:extLst>
       <p:ext uri="{BB962C8B-B14F-4D97-AF65-F5344CB8AC3E}">
-        <p14:creationId xmlns:p14="http://schemas.microsoft.com/office/powerpoint/2010/main" val="92382730"/>
+        <p14:creationId xmlns:p14="http://schemas.microsoft.com/office/powerpoint/2010/main" val="4243055940"/>
       </p:ext>
     </p:extLst>
   </p:cSld>
@@ -5298,7 +5448,7 @@
   <a:extraClrSchemeLst/>
   <a:extLst>
     <a:ext uri="{05A4C25C-085E-4340-85A3-A5531E510DB2}">
-      <thm15:themeFamily xmlns:thm15="http://schemas.microsoft.com/office/thememl/2012/main" name="Office Theme" id="{62F939B6-93AF-4DB8-9C6B-D6C7DFDC589F}" vid="{4A3C46E8-61CC-4603-A589-7422A47A8E4A}"/>
+      <thm15:themeFamily xmlns:thm15="http://schemas.microsoft.com/office/thememl/2012/main" xmlns="" name="Office Theme" id="{62F939B6-93AF-4DB8-9C6B-D6C7DFDC589F}" vid="{4A3C46E8-61CC-4603-A589-7422A47A8E4A}"/>
     </a:ext>
   </a:extLst>
 </a:theme>
